--- a/images/example_graphs/student_network.pptx
+++ b/images/example_graphs/student_network.pptx
@@ -243,7 +243,7 @@
           <a:p>
             <a:fld id="{79CD65FD-E9A0-4CA5-8F11-E99658C14B86}" type="datetimeFigureOut">
               <a:rPr lang="en-US" smtClean="0"/>
-              <a:t>12/16/2018</a:t>
+              <a:t>1/3/2019</a:t>
             </a:fld>
             <a:endParaRPr lang="en-US"/>
           </a:p>
@@ -413,7 +413,7 @@
           <a:p>
             <a:fld id="{79CD65FD-E9A0-4CA5-8F11-E99658C14B86}" type="datetimeFigureOut">
               <a:rPr lang="en-US" smtClean="0"/>
-              <a:t>12/16/2018</a:t>
+              <a:t>1/3/2019</a:t>
             </a:fld>
             <a:endParaRPr lang="en-US"/>
           </a:p>
@@ -593,7 +593,7 @@
           <a:p>
             <a:fld id="{79CD65FD-E9A0-4CA5-8F11-E99658C14B86}" type="datetimeFigureOut">
               <a:rPr lang="en-US" smtClean="0"/>
-              <a:t>12/16/2018</a:t>
+              <a:t>1/3/2019</a:t>
             </a:fld>
             <a:endParaRPr lang="en-US"/>
           </a:p>
@@ -763,7 +763,7 @@
           <a:p>
             <a:fld id="{79CD65FD-E9A0-4CA5-8F11-E99658C14B86}" type="datetimeFigureOut">
               <a:rPr lang="en-US" smtClean="0"/>
-              <a:t>12/16/2018</a:t>
+              <a:t>1/3/2019</a:t>
             </a:fld>
             <a:endParaRPr lang="en-US"/>
           </a:p>
@@ -1009,7 +1009,7 @@
           <a:p>
             <a:fld id="{79CD65FD-E9A0-4CA5-8F11-E99658C14B86}" type="datetimeFigureOut">
               <a:rPr lang="en-US" smtClean="0"/>
-              <a:t>12/16/2018</a:t>
+              <a:t>1/3/2019</a:t>
             </a:fld>
             <a:endParaRPr lang="en-US"/>
           </a:p>
@@ -1241,7 +1241,7 @@
           <a:p>
             <a:fld id="{79CD65FD-E9A0-4CA5-8F11-E99658C14B86}" type="datetimeFigureOut">
               <a:rPr lang="en-US" smtClean="0"/>
-              <a:t>12/16/2018</a:t>
+              <a:t>1/3/2019</a:t>
             </a:fld>
             <a:endParaRPr lang="en-US"/>
           </a:p>
@@ -1608,7 +1608,7 @@
           <a:p>
             <a:fld id="{79CD65FD-E9A0-4CA5-8F11-E99658C14B86}" type="datetimeFigureOut">
               <a:rPr lang="en-US" smtClean="0"/>
-              <a:t>12/16/2018</a:t>
+              <a:t>1/3/2019</a:t>
             </a:fld>
             <a:endParaRPr lang="en-US"/>
           </a:p>
@@ -1726,7 +1726,7 @@
           <a:p>
             <a:fld id="{79CD65FD-E9A0-4CA5-8F11-E99658C14B86}" type="datetimeFigureOut">
               <a:rPr lang="en-US" smtClean="0"/>
-              <a:t>12/16/2018</a:t>
+              <a:t>1/3/2019</a:t>
             </a:fld>
             <a:endParaRPr lang="en-US"/>
           </a:p>
@@ -1821,7 +1821,7 @@
           <a:p>
             <a:fld id="{79CD65FD-E9A0-4CA5-8F11-E99658C14B86}" type="datetimeFigureOut">
               <a:rPr lang="en-US" smtClean="0"/>
-              <a:t>12/16/2018</a:t>
+              <a:t>1/3/2019</a:t>
             </a:fld>
             <a:endParaRPr lang="en-US"/>
           </a:p>
@@ -2098,7 +2098,7 @@
           <a:p>
             <a:fld id="{79CD65FD-E9A0-4CA5-8F11-E99658C14B86}" type="datetimeFigureOut">
               <a:rPr lang="en-US" smtClean="0"/>
-              <a:t>12/16/2018</a:t>
+              <a:t>1/3/2019</a:t>
             </a:fld>
             <a:endParaRPr lang="en-US"/>
           </a:p>
@@ -2351,7 +2351,7 @@
           <a:p>
             <a:fld id="{79CD65FD-E9A0-4CA5-8F11-E99658C14B86}" type="datetimeFigureOut">
               <a:rPr lang="en-US" smtClean="0"/>
-              <a:t>12/16/2018</a:t>
+              <a:t>1/3/2019</a:t>
             </a:fld>
             <a:endParaRPr lang="en-US"/>
           </a:p>
@@ -2564,7 +2564,7 @@
           <a:p>
             <a:fld id="{79CD65FD-E9A0-4CA5-8F11-E99658C14B86}" type="datetimeFigureOut">
               <a:rPr lang="en-US" smtClean="0"/>
-              <a:t>12/16/2018</a:t>
+              <a:t>1/3/2019</a:t>
             </a:fld>
             <a:endParaRPr lang="en-US"/>
           </a:p>
@@ -3819,14 +3819,6 @@
               </a:rPr>
               <a:t>Lee</a:t>
             </a:r>
-            <a:endParaRPr lang="en-US" sz="800" b="1" dirty="0" smtClean="0">
-              <a:solidFill>
-                <a:schemeClr val="tx1">
-                  <a:lumMod val="85000"/>
-                  <a:lumOff val="15000"/>
-                </a:schemeClr>
-              </a:solidFill>
-            </a:endParaRPr>
           </a:p>
           <a:p>
             <a:r>
@@ -4155,6 +4147,37 @@
                 </a:schemeClr>
               </a:solidFill>
             </a:endParaRPr>
+          </a:p>
+        </p:txBody>
+      </p:sp>
+      <p:sp>
+        <p:nvSpPr>
+          <p:cNvPr id="45" name="TextBox 44"/>
+          <p:cNvSpPr txBox="1"/>
+          <p:nvPr/>
+        </p:nvSpPr>
+        <p:spPr>
+          <a:xfrm>
+            <a:off x="1402270" y="1534208"/>
+            <a:ext cx="1882603" cy="276999"/>
+          </a:xfrm>
+          <a:prstGeom prst="rect">
+            <a:avLst/>
+          </a:prstGeom>
+          <a:noFill/>
+        </p:spPr>
+        <p:txBody>
+          <a:bodyPr wrap="square" rtlCol="0">
+            <a:spAutoFit/>
+          </a:bodyPr>
+          <a:lstStyle/>
+          <a:p>
+            <a:pPr algn="ctr"/>
+            <a:r>
+              <a:rPr lang="en-US" sz="1200" dirty="0" err="1" smtClean="0"/>
+              <a:t>student_network</a:t>
+            </a:r>
+            <a:endParaRPr lang="en-US" sz="1200" dirty="0"/>
           </a:p>
         </p:txBody>
       </p:sp>

--- a/images/example_graphs/student_network.pptx
+++ b/images/example_graphs/student_network.pptx
@@ -243,7 +243,7 @@
           <a:p>
             <a:fld id="{79CD65FD-E9A0-4CA5-8F11-E99658C14B86}" type="datetimeFigureOut">
               <a:rPr lang="en-US" smtClean="0"/>
-              <a:t>1/3/2019</a:t>
+              <a:t>9/28/2019</a:t>
             </a:fld>
             <a:endParaRPr lang="en-US"/>
           </a:p>
@@ -413,7 +413,7 @@
           <a:p>
             <a:fld id="{79CD65FD-E9A0-4CA5-8F11-E99658C14B86}" type="datetimeFigureOut">
               <a:rPr lang="en-US" smtClean="0"/>
-              <a:t>1/3/2019</a:t>
+              <a:t>9/28/2019</a:t>
             </a:fld>
             <a:endParaRPr lang="en-US"/>
           </a:p>
@@ -593,7 +593,7 @@
           <a:p>
             <a:fld id="{79CD65FD-E9A0-4CA5-8F11-E99658C14B86}" type="datetimeFigureOut">
               <a:rPr lang="en-US" smtClean="0"/>
-              <a:t>1/3/2019</a:t>
+              <a:t>9/28/2019</a:t>
             </a:fld>
             <a:endParaRPr lang="en-US"/>
           </a:p>
@@ -763,7 +763,7 @@
           <a:p>
             <a:fld id="{79CD65FD-E9A0-4CA5-8F11-E99658C14B86}" type="datetimeFigureOut">
               <a:rPr lang="en-US" smtClean="0"/>
-              <a:t>1/3/2019</a:t>
+              <a:t>9/28/2019</a:t>
             </a:fld>
             <a:endParaRPr lang="en-US"/>
           </a:p>
@@ -1009,7 +1009,7 @@
           <a:p>
             <a:fld id="{79CD65FD-E9A0-4CA5-8F11-E99658C14B86}" type="datetimeFigureOut">
               <a:rPr lang="en-US" smtClean="0"/>
-              <a:t>1/3/2019</a:t>
+              <a:t>9/28/2019</a:t>
             </a:fld>
             <a:endParaRPr lang="en-US"/>
           </a:p>
@@ -1241,7 +1241,7 @@
           <a:p>
             <a:fld id="{79CD65FD-E9A0-4CA5-8F11-E99658C14B86}" type="datetimeFigureOut">
               <a:rPr lang="en-US" smtClean="0"/>
-              <a:t>1/3/2019</a:t>
+              <a:t>9/28/2019</a:t>
             </a:fld>
             <a:endParaRPr lang="en-US"/>
           </a:p>
@@ -1608,7 +1608,7 @@
           <a:p>
             <a:fld id="{79CD65FD-E9A0-4CA5-8F11-E99658C14B86}" type="datetimeFigureOut">
               <a:rPr lang="en-US" smtClean="0"/>
-              <a:t>1/3/2019</a:t>
+              <a:t>9/28/2019</a:t>
             </a:fld>
             <a:endParaRPr lang="en-US"/>
           </a:p>
@@ -1726,7 +1726,7 @@
           <a:p>
             <a:fld id="{79CD65FD-E9A0-4CA5-8F11-E99658C14B86}" type="datetimeFigureOut">
               <a:rPr lang="en-US" smtClean="0"/>
-              <a:t>1/3/2019</a:t>
+              <a:t>9/28/2019</a:t>
             </a:fld>
             <a:endParaRPr lang="en-US"/>
           </a:p>
@@ -1821,7 +1821,7 @@
           <a:p>
             <a:fld id="{79CD65FD-E9A0-4CA5-8F11-E99658C14B86}" type="datetimeFigureOut">
               <a:rPr lang="en-US" smtClean="0"/>
-              <a:t>1/3/2019</a:t>
+              <a:t>9/28/2019</a:t>
             </a:fld>
             <a:endParaRPr lang="en-US"/>
           </a:p>
@@ -2098,7 +2098,7 @@
           <a:p>
             <a:fld id="{79CD65FD-E9A0-4CA5-8F11-E99658C14B86}" type="datetimeFigureOut">
               <a:rPr lang="en-US" smtClean="0"/>
-              <a:t>1/3/2019</a:t>
+              <a:t>9/28/2019</a:t>
             </a:fld>
             <a:endParaRPr lang="en-US"/>
           </a:p>
@@ -2351,7 +2351,7 @@
           <a:p>
             <a:fld id="{79CD65FD-E9A0-4CA5-8F11-E99658C14B86}" type="datetimeFigureOut">
               <a:rPr lang="en-US" smtClean="0"/>
-              <a:t>1/3/2019</a:t>
+              <a:t>9/28/2019</a:t>
             </a:fld>
             <a:endParaRPr lang="en-US"/>
           </a:p>
@@ -2564,7 +2564,7 @@
           <a:p>
             <a:fld id="{79CD65FD-E9A0-4CA5-8F11-E99658C14B86}" type="datetimeFigureOut">
               <a:rPr lang="en-US" smtClean="0"/>
-              <a:t>1/3/2019</a:t>
+              <a:t>9/28/2019</a:t>
             </a:fld>
             <a:endParaRPr lang="en-US"/>
           </a:p>
@@ -2955,6 +2955,14 @@
 <file path=ppt/slides/slide1.xml><?xml version="1.0" encoding="utf-8"?>
 <p:sld xmlns:a="http://schemas.openxmlformats.org/drawingml/2006/main" xmlns:r="http://schemas.openxmlformats.org/officeDocument/2006/relationships" xmlns:p="http://schemas.openxmlformats.org/presentationml/2006/main">
   <p:cSld>
+    <p:bg>
+      <p:bgPr>
+        <a:solidFill>
+          <a:srgbClr val="312D2A"/>
+        </a:solidFill>
+        <a:effectLst/>
+      </p:bgPr>
+    </p:bg>
     <p:spTree>
       <p:nvGrpSpPr>
         <p:cNvPr id="1" name=""/>
@@ -2984,18 +2992,10 @@
             <a:avLst/>
           </a:prstGeom>
           <a:solidFill>
-            <a:schemeClr val="accent5">
-              <a:lumMod val="60000"/>
-              <a:lumOff val="40000"/>
-            </a:schemeClr>
+            <a:srgbClr val="41817E"/>
           </a:solidFill>
           <a:ln w="6350">
-            <a:solidFill>
-              <a:schemeClr val="tx1">
-                <a:lumMod val="85000"/>
-                <a:lumOff val="15000"/>
-              </a:schemeClr>
-            </a:solidFill>
+            <a:noFill/>
           </a:ln>
         </p:spPr>
         <p:style>
@@ -3022,20 +3022,14 @@
             <a:r>
               <a:rPr lang="en-US" sz="800" dirty="0" smtClean="0">
                 <a:solidFill>
-                  <a:schemeClr val="tx1">
-                    <a:lumMod val="85000"/>
-                    <a:lumOff val="15000"/>
-                  </a:schemeClr>
+                  <a:schemeClr val="bg1"/>
                 </a:solidFill>
               </a:rPr>
               <a:t>Person</a:t>
             </a:r>
             <a:endParaRPr lang="en-US" sz="800" dirty="0">
               <a:solidFill>
-                <a:schemeClr val="tx1">
-                  <a:lumMod val="85000"/>
-                  <a:lumOff val="15000"/>
-                </a:schemeClr>
+                <a:schemeClr val="bg1"/>
               </a:solidFill>
             </a:endParaRPr>
           </a:p>
@@ -3056,18 +3050,10 @@
             <a:avLst/>
           </a:prstGeom>
           <a:solidFill>
-            <a:schemeClr val="accent2">
-              <a:lumMod val="60000"/>
-              <a:lumOff val="40000"/>
-            </a:schemeClr>
+            <a:srgbClr val="E6AC58"/>
           </a:solidFill>
           <a:ln w="6350">
-            <a:solidFill>
-              <a:schemeClr val="tx1">
-                <a:lumMod val="85000"/>
-                <a:lumOff val="15000"/>
-              </a:schemeClr>
-            </a:solidFill>
+            <a:noFill/>
           </a:ln>
         </p:spPr>
         <p:style>
@@ -3094,20 +3080,14 @@
             <a:r>
               <a:rPr lang="en-US" sz="800" dirty="0" smtClean="0">
                 <a:solidFill>
-                  <a:schemeClr val="tx1">
-                    <a:lumMod val="85000"/>
-                    <a:lumOff val="15000"/>
-                  </a:schemeClr>
+                  <a:schemeClr val="bg1"/>
                 </a:solidFill>
               </a:rPr>
               <a:t>University</a:t>
             </a:r>
             <a:endParaRPr lang="en-US" sz="800" dirty="0">
               <a:solidFill>
-                <a:schemeClr val="tx1">
-                  <a:lumMod val="85000"/>
-                  <a:lumOff val="15000"/>
-                </a:schemeClr>
+                <a:schemeClr val="bg1"/>
               </a:solidFill>
             </a:endParaRPr>
           </a:p>
@@ -3128,18 +3108,10 @@
             <a:avLst/>
           </a:prstGeom>
           <a:solidFill>
-            <a:schemeClr val="accent5">
-              <a:lumMod val="60000"/>
-              <a:lumOff val="40000"/>
-            </a:schemeClr>
+            <a:srgbClr val="41817E"/>
           </a:solidFill>
           <a:ln w="6350">
-            <a:solidFill>
-              <a:schemeClr val="tx1">
-                <a:lumMod val="85000"/>
-                <a:lumOff val="15000"/>
-              </a:schemeClr>
-            </a:solidFill>
+            <a:noFill/>
           </a:ln>
         </p:spPr>
         <p:style>
@@ -3168,20 +3140,14 @@
             <a:r>
               <a:rPr lang="en-US" sz="800" dirty="0" smtClean="0">
                 <a:solidFill>
-                  <a:schemeClr val="tx1">
-                    <a:lumMod val="85000"/>
-                    <a:lumOff val="15000"/>
-                  </a:schemeClr>
+                  <a:schemeClr val="bg1"/>
                 </a:solidFill>
               </a:rPr>
               <a:t>Person</a:t>
             </a:r>
             <a:endParaRPr lang="en-US" sz="800" dirty="0">
               <a:solidFill>
-                <a:schemeClr val="tx1">
-                  <a:lumMod val="85000"/>
-                  <a:lumOff val="15000"/>
-                </a:schemeClr>
+                <a:schemeClr val="bg1"/>
               </a:solidFill>
             </a:endParaRPr>
           </a:p>
@@ -3202,18 +3168,10 @@
             <a:avLst/>
           </a:prstGeom>
           <a:solidFill>
-            <a:schemeClr val="accent5">
-              <a:lumMod val="60000"/>
-              <a:lumOff val="40000"/>
-            </a:schemeClr>
+            <a:srgbClr val="41817E"/>
           </a:solidFill>
           <a:ln w="6350">
-            <a:solidFill>
-              <a:schemeClr val="tx1">
-                <a:lumMod val="85000"/>
-                <a:lumOff val="15000"/>
-              </a:schemeClr>
-            </a:solidFill>
+            <a:noFill/>
           </a:ln>
         </p:spPr>
         <p:style>
@@ -3240,20 +3198,14 @@
             <a:r>
               <a:rPr lang="en-US" sz="800" dirty="0" smtClean="0">
                 <a:solidFill>
-                  <a:schemeClr val="tx1">
-                    <a:lumMod val="85000"/>
-                    <a:lumOff val="15000"/>
-                  </a:schemeClr>
+                  <a:schemeClr val="bg1"/>
                 </a:solidFill>
               </a:rPr>
               <a:t>Person</a:t>
             </a:r>
             <a:endParaRPr lang="en-US" sz="800" dirty="0">
               <a:solidFill>
-                <a:schemeClr val="tx1">
-                  <a:lumMod val="85000"/>
-                  <a:lumOff val="15000"/>
-                </a:schemeClr>
+                <a:schemeClr val="bg1"/>
               </a:solidFill>
             </a:endParaRPr>
           </a:p>
@@ -3278,10 +3230,7 @@
           </a:prstGeom>
           <a:ln>
             <a:solidFill>
-              <a:schemeClr val="tx1">
-                <a:lumMod val="65000"/>
-                <a:lumOff val="35000"/>
-              </a:schemeClr>
+              <a:srgbClr val="E6AC58"/>
             </a:solidFill>
             <a:tailEnd type="triangle" w="med" len="sm"/>
           </a:ln>
@@ -3320,10 +3269,7 @@
           </a:prstGeom>
           <a:ln>
             <a:solidFill>
-              <a:schemeClr val="tx1">
-                <a:lumMod val="65000"/>
-                <a:lumOff val="35000"/>
-              </a:schemeClr>
+              <a:srgbClr val="E6AC58"/>
             </a:solidFill>
             <a:tailEnd type="triangle" w="med" len="sm"/>
           </a:ln>
@@ -3362,10 +3308,7 @@
           </a:prstGeom>
           <a:ln>
             <a:solidFill>
-              <a:schemeClr val="tx1">
-                <a:lumMod val="65000"/>
-                <a:lumOff val="35000"/>
-              </a:schemeClr>
+              <a:srgbClr val="E6AC58"/>
             </a:solidFill>
             <a:tailEnd type="triangle" w="med" len="sm"/>
           </a:ln>
@@ -3404,10 +3347,7 @@
           </a:prstGeom>
           <a:ln>
             <a:solidFill>
-              <a:schemeClr val="tx1">
-                <a:lumMod val="65000"/>
-                <a:lumOff val="35000"/>
-              </a:schemeClr>
+              <a:srgbClr val="41817E"/>
             </a:solidFill>
             <a:tailEnd type="triangle" w="med" len="sm"/>
           </a:ln>
@@ -3446,10 +3386,7 @@
           </a:prstGeom>
           <a:ln>
             <a:solidFill>
-              <a:schemeClr val="tx1">
-                <a:lumMod val="65000"/>
-                <a:lumOff val="35000"/>
-              </a:schemeClr>
+              <a:srgbClr val="41817E"/>
             </a:solidFill>
             <a:tailEnd type="triangle" w="med" len="sm"/>
           </a:ln>
@@ -3488,10 +3425,7 @@
           </a:prstGeom>
           <a:ln>
             <a:solidFill>
-              <a:schemeClr val="tx1">
-                <a:lumMod val="65000"/>
-                <a:lumOff val="35000"/>
-              </a:schemeClr>
+              <a:srgbClr val="41817E"/>
             </a:solidFill>
             <a:tailEnd type="triangle" w="med" len="sm"/>
           </a:ln>
@@ -3526,7 +3460,7 @@
             <a:avLst/>
           </a:prstGeom>
           <a:solidFill>
-            <a:schemeClr val="bg1"/>
+            <a:srgbClr val="312D2A"/>
           </a:solidFill>
         </p:spPr>
         <p:txBody>
@@ -3538,20 +3472,14 @@
             <a:r>
               <a:rPr lang="en-US" sz="800" dirty="0" smtClean="0">
                 <a:solidFill>
-                  <a:schemeClr val="tx1">
-                    <a:lumMod val="85000"/>
-                    <a:lumOff val="15000"/>
-                  </a:schemeClr>
+                  <a:schemeClr val="bg1"/>
                 </a:solidFill>
               </a:rPr>
               <a:t>knows</a:t>
             </a:r>
             <a:endParaRPr lang="en-US" sz="800" dirty="0">
               <a:solidFill>
-                <a:schemeClr val="tx1">
-                  <a:lumMod val="85000"/>
-                  <a:lumOff val="15000"/>
-                </a:schemeClr>
+                <a:schemeClr val="bg1"/>
               </a:solidFill>
             </a:endParaRPr>
           </a:p>
@@ -3582,10 +3510,7 @@
             <a:r>
               <a:rPr lang="en-US" sz="800" dirty="0" smtClean="0">
                 <a:solidFill>
-                  <a:schemeClr val="tx1">
-                    <a:lumMod val="85000"/>
-                    <a:lumOff val="15000"/>
-                  </a:schemeClr>
+                  <a:schemeClr val="bg1"/>
                 </a:solidFill>
               </a:rPr>
               <a:t>name: </a:t>
@@ -3593,10 +3518,7 @@
             <a:r>
               <a:rPr lang="en-US" sz="800" b="1" dirty="0" smtClean="0">
                 <a:solidFill>
-                  <a:schemeClr val="tx1">
-                    <a:lumMod val="85000"/>
-                    <a:lumOff val="15000"/>
-                  </a:schemeClr>
+                  <a:schemeClr val="bg1"/>
                 </a:solidFill>
               </a:rPr>
               <a:t>Kathrine</a:t>
@@ -3604,10 +3526,7 @@
             <a:r>
               <a:rPr lang="en-US" sz="800" dirty="0" smtClean="0">
                 <a:solidFill>
-                  <a:schemeClr val="tx1">
-                    <a:lumMod val="85000"/>
-                    <a:lumOff val="15000"/>
-                  </a:schemeClr>
+                  <a:schemeClr val="bg1"/>
                 </a:solidFill>
               </a:rPr>
               <a:t/>
@@ -3615,20 +3534,14 @@
             <a:br>
               <a:rPr lang="en-US" sz="800" dirty="0" smtClean="0">
                 <a:solidFill>
-                  <a:schemeClr val="tx1">
-                    <a:lumMod val="85000"/>
-                    <a:lumOff val="15000"/>
-                  </a:schemeClr>
+                  <a:schemeClr val="bg1"/>
                 </a:solidFill>
               </a:rPr>
             </a:br>
             <a:r>
               <a:rPr lang="en-US" sz="800" dirty="0" err="1" smtClean="0">
                 <a:solidFill>
-                  <a:schemeClr val="tx1">
-                    <a:lumMod val="85000"/>
-                    <a:lumOff val="15000"/>
-                  </a:schemeClr>
+                  <a:schemeClr val="bg1"/>
                 </a:solidFill>
               </a:rPr>
               <a:t>dob</a:t>
@@ -3636,10 +3549,7 @@
             <a:r>
               <a:rPr lang="en-US" sz="800" dirty="0" smtClean="0">
                 <a:solidFill>
-                  <a:schemeClr val="tx1">
-                    <a:lumMod val="85000"/>
-                    <a:lumOff val="15000"/>
-                  </a:schemeClr>
+                  <a:schemeClr val="bg1"/>
                 </a:solidFill>
               </a:rPr>
               <a:t>: </a:t>
@@ -3647,20 +3557,14 @@
             <a:r>
               <a:rPr lang="en-US" sz="800" b="1" dirty="0" smtClean="0">
                 <a:solidFill>
-                  <a:schemeClr val="tx1">
-                    <a:lumMod val="85000"/>
-                    <a:lumOff val="15000"/>
-                  </a:schemeClr>
+                  <a:schemeClr val="bg1"/>
                 </a:solidFill>
               </a:rPr>
               <a:t>1994-01-15</a:t>
             </a:r>
             <a:endParaRPr lang="en-US" sz="800" b="1" dirty="0">
               <a:solidFill>
-                <a:schemeClr val="tx1">
-                  <a:lumMod val="85000"/>
-                  <a:lumOff val="15000"/>
-                </a:schemeClr>
+                <a:schemeClr val="bg1"/>
               </a:solidFill>
             </a:endParaRPr>
           </a:p>
@@ -3691,10 +3595,7 @@
             <a:r>
               <a:rPr lang="en-US" sz="800" dirty="0" smtClean="0">
                 <a:solidFill>
-                  <a:schemeClr val="tx1">
-                    <a:lumMod val="85000"/>
-                    <a:lumOff val="15000"/>
-                  </a:schemeClr>
+                  <a:schemeClr val="bg1"/>
                 </a:solidFill>
               </a:rPr>
               <a:t>name: </a:t>
@@ -3702,10 +3603,7 @@
             <a:r>
               <a:rPr lang="en-US" sz="800" b="1" dirty="0" smtClean="0">
                 <a:solidFill>
-                  <a:schemeClr val="tx1">
-                    <a:lumMod val="85000"/>
-                    <a:lumOff val="15000"/>
-                  </a:schemeClr>
+                  <a:schemeClr val="bg1"/>
                 </a:solidFill>
               </a:rPr>
               <a:t>Riya</a:t>
@@ -3713,10 +3611,7 @@
             <a:r>
               <a:rPr lang="en-US" sz="800" dirty="0" smtClean="0">
                 <a:solidFill>
-                  <a:schemeClr val="tx1">
-                    <a:lumMod val="85000"/>
-                    <a:lumOff val="15000"/>
-                  </a:schemeClr>
+                  <a:schemeClr val="bg1"/>
                 </a:solidFill>
               </a:rPr>
               <a:t/>
@@ -3724,20 +3619,14 @@
             <a:br>
               <a:rPr lang="en-US" sz="800" dirty="0" smtClean="0">
                 <a:solidFill>
-                  <a:schemeClr val="tx1">
-                    <a:lumMod val="85000"/>
-                    <a:lumOff val="15000"/>
-                  </a:schemeClr>
+                  <a:schemeClr val="bg1"/>
                 </a:solidFill>
               </a:rPr>
             </a:br>
             <a:r>
               <a:rPr lang="en-US" sz="800" dirty="0" err="1" smtClean="0">
                 <a:solidFill>
-                  <a:schemeClr val="tx1">
-                    <a:lumMod val="85000"/>
-                    <a:lumOff val="15000"/>
-                  </a:schemeClr>
+                  <a:schemeClr val="bg1"/>
                 </a:solidFill>
               </a:rPr>
               <a:t>dob</a:t>
@@ -3745,10 +3634,7 @@
             <a:r>
               <a:rPr lang="en-US" sz="800" dirty="0" smtClean="0">
                 <a:solidFill>
-                  <a:schemeClr val="tx1">
-                    <a:lumMod val="85000"/>
-                    <a:lumOff val="15000"/>
-                  </a:schemeClr>
+                  <a:schemeClr val="bg1"/>
                 </a:solidFill>
               </a:rPr>
               <a:t>: </a:t>
@@ -3756,20 +3642,14 @@
             <a:r>
               <a:rPr lang="en-US" sz="800" b="1" dirty="0" smtClean="0">
                 <a:solidFill>
-                  <a:schemeClr val="tx1">
-                    <a:lumMod val="85000"/>
-                    <a:lumOff val="15000"/>
-                  </a:schemeClr>
+                  <a:schemeClr val="bg1"/>
                 </a:solidFill>
               </a:rPr>
               <a:t>1995-03-20</a:t>
             </a:r>
             <a:endParaRPr lang="en-US" sz="800" b="1" dirty="0">
               <a:solidFill>
-                <a:schemeClr val="tx1">
-                  <a:lumMod val="85000"/>
-                  <a:lumOff val="15000"/>
-                </a:schemeClr>
+                <a:schemeClr val="bg1"/>
               </a:solidFill>
             </a:endParaRPr>
           </a:p>
@@ -3800,10 +3680,7 @@
             <a:r>
               <a:rPr lang="en-US" sz="800" dirty="0" smtClean="0">
                 <a:solidFill>
-                  <a:schemeClr val="tx1">
-                    <a:lumMod val="85000"/>
-                    <a:lumOff val="15000"/>
-                  </a:schemeClr>
+                  <a:schemeClr val="bg1"/>
                 </a:solidFill>
               </a:rPr>
               <a:t>name: </a:t>
@@ -3811,10 +3688,7 @@
             <a:r>
               <a:rPr lang="en-US" sz="800" b="1" dirty="0" smtClean="0">
                 <a:solidFill>
-                  <a:schemeClr val="tx1">
-                    <a:lumMod val="85000"/>
-                    <a:lumOff val="15000"/>
-                  </a:schemeClr>
+                  <a:schemeClr val="bg1"/>
                 </a:solidFill>
               </a:rPr>
               <a:t>Lee</a:t>
@@ -3824,10 +3698,7 @@
             <a:r>
               <a:rPr lang="en-US" sz="800" dirty="0" err="1" smtClean="0">
                 <a:solidFill>
-                  <a:schemeClr val="tx1">
-                    <a:lumMod val="85000"/>
-                    <a:lumOff val="15000"/>
-                  </a:schemeClr>
+                  <a:schemeClr val="bg1"/>
                 </a:solidFill>
               </a:rPr>
               <a:t>dob</a:t>
@@ -3835,10 +3706,7 @@
             <a:r>
               <a:rPr lang="en-US" sz="800" dirty="0" smtClean="0">
                 <a:solidFill>
-                  <a:schemeClr val="tx1">
-                    <a:lumMod val="85000"/>
-                    <a:lumOff val="15000"/>
-                  </a:schemeClr>
+                  <a:schemeClr val="bg1"/>
                 </a:solidFill>
               </a:rPr>
               <a:t>: </a:t>
@@ -3846,20 +3714,14 @@
             <a:r>
               <a:rPr lang="en-US" sz="800" b="1" dirty="0" smtClean="0">
                 <a:solidFill>
-                  <a:schemeClr val="tx1">
-                    <a:lumMod val="85000"/>
-                    <a:lumOff val="15000"/>
-                  </a:schemeClr>
+                  <a:schemeClr val="bg1"/>
                 </a:solidFill>
               </a:rPr>
               <a:t>1996-01-29</a:t>
             </a:r>
             <a:endParaRPr lang="en-US" sz="800" b="1" dirty="0">
               <a:solidFill>
-                <a:schemeClr val="tx1">
-                  <a:lumMod val="85000"/>
-                  <a:lumOff val="15000"/>
-                </a:schemeClr>
+                <a:schemeClr val="bg1"/>
               </a:solidFill>
             </a:endParaRPr>
           </a:p>
@@ -3890,10 +3752,7 @@
             <a:r>
               <a:rPr lang="en-US" sz="800" dirty="0" smtClean="0">
                 <a:solidFill>
-                  <a:schemeClr val="tx1">
-                    <a:lumMod val="85000"/>
-                    <a:lumOff val="15000"/>
-                  </a:schemeClr>
+                  <a:schemeClr val="bg1"/>
                 </a:solidFill>
               </a:rPr>
               <a:t>name: </a:t>
@@ -3901,20 +3760,14 @@
             <a:r>
               <a:rPr lang="en-US" sz="800" b="1" dirty="0" smtClean="0">
                 <a:solidFill>
-                  <a:schemeClr val="tx1">
-                    <a:lumMod val="85000"/>
-                    <a:lumOff val="15000"/>
-                  </a:schemeClr>
+                  <a:schemeClr val="bg1"/>
                 </a:solidFill>
               </a:rPr>
               <a:t>UC Berkeley</a:t>
             </a:r>
             <a:endParaRPr lang="en-US" sz="800" b="1" dirty="0">
               <a:solidFill>
-                <a:schemeClr val="tx1">
-                  <a:lumMod val="85000"/>
-                  <a:lumOff val="15000"/>
-                </a:schemeClr>
+                <a:schemeClr val="bg1"/>
               </a:solidFill>
             </a:endParaRPr>
           </a:p>
@@ -3935,7 +3788,7 @@
             <a:avLst/>
           </a:prstGeom>
           <a:solidFill>
-            <a:schemeClr val="bg1"/>
+            <a:srgbClr val="312D2A"/>
           </a:solidFill>
         </p:spPr>
         <p:txBody>
@@ -3947,20 +3800,14 @@
             <a:r>
               <a:rPr lang="en-US" sz="800" dirty="0" smtClean="0">
                 <a:solidFill>
-                  <a:schemeClr val="tx1">
-                    <a:lumMod val="85000"/>
-                    <a:lumOff val="15000"/>
-                  </a:schemeClr>
+                  <a:schemeClr val="bg1"/>
                 </a:solidFill>
               </a:rPr>
               <a:t>knows</a:t>
             </a:r>
             <a:endParaRPr lang="en-US" sz="800" dirty="0">
               <a:solidFill>
-                <a:schemeClr val="tx1">
-                  <a:lumMod val="85000"/>
-                  <a:lumOff val="15000"/>
-                </a:schemeClr>
+                <a:schemeClr val="bg1"/>
               </a:solidFill>
             </a:endParaRPr>
           </a:p>
@@ -3981,7 +3828,7 @@
             <a:avLst/>
           </a:prstGeom>
           <a:solidFill>
-            <a:schemeClr val="bg1"/>
+            <a:srgbClr val="312D2A"/>
           </a:solidFill>
         </p:spPr>
         <p:txBody>
@@ -3993,20 +3840,14 @@
             <a:r>
               <a:rPr lang="en-US" sz="800" dirty="0" smtClean="0">
                 <a:solidFill>
-                  <a:schemeClr val="tx1">
-                    <a:lumMod val="85000"/>
-                    <a:lumOff val="15000"/>
-                  </a:schemeClr>
+                  <a:schemeClr val="bg1"/>
                 </a:solidFill>
               </a:rPr>
               <a:t>knows</a:t>
             </a:r>
             <a:endParaRPr lang="en-US" sz="800" dirty="0">
               <a:solidFill>
-                <a:schemeClr val="tx1">
-                  <a:lumMod val="85000"/>
-                  <a:lumOff val="15000"/>
-                </a:schemeClr>
+                <a:schemeClr val="bg1"/>
               </a:solidFill>
             </a:endParaRPr>
           </a:p>
@@ -4027,7 +3868,7 @@
             <a:avLst/>
           </a:prstGeom>
           <a:solidFill>
-            <a:schemeClr val="bg1"/>
+            <a:srgbClr val="312D2A"/>
           </a:solidFill>
         </p:spPr>
         <p:txBody>
@@ -4039,20 +3880,14 @@
             <a:r>
               <a:rPr lang="en-US" sz="800" dirty="0" err="1" smtClean="0">
                 <a:solidFill>
-                  <a:schemeClr val="tx1">
-                    <a:lumMod val="85000"/>
-                    <a:lumOff val="15000"/>
-                  </a:schemeClr>
+                  <a:schemeClr val="bg1"/>
                 </a:solidFill>
               </a:rPr>
               <a:t>studentOf</a:t>
             </a:r>
             <a:endParaRPr lang="en-US" sz="800" dirty="0">
               <a:solidFill>
-                <a:schemeClr val="tx1">
-                  <a:lumMod val="85000"/>
-                  <a:lumOff val="15000"/>
-                </a:schemeClr>
+                <a:schemeClr val="bg1"/>
               </a:solidFill>
             </a:endParaRPr>
           </a:p>
@@ -4073,7 +3908,7 @@
             <a:avLst/>
           </a:prstGeom>
           <a:solidFill>
-            <a:schemeClr val="bg1"/>
+            <a:srgbClr val="312D2A"/>
           </a:solidFill>
         </p:spPr>
         <p:txBody>
@@ -4085,20 +3920,14 @@
             <a:r>
               <a:rPr lang="en-US" sz="800" dirty="0" err="1" smtClean="0">
                 <a:solidFill>
-                  <a:schemeClr val="tx1">
-                    <a:lumMod val="85000"/>
-                    <a:lumOff val="15000"/>
-                  </a:schemeClr>
+                  <a:schemeClr val="bg1"/>
                 </a:solidFill>
               </a:rPr>
               <a:t>studentOf</a:t>
             </a:r>
             <a:endParaRPr lang="en-US" sz="800" dirty="0">
               <a:solidFill>
-                <a:schemeClr val="tx1">
-                  <a:lumMod val="85000"/>
-                  <a:lumOff val="15000"/>
-                </a:schemeClr>
+                <a:schemeClr val="bg1"/>
               </a:solidFill>
             </a:endParaRPr>
           </a:p>
@@ -4119,7 +3948,7 @@
             <a:avLst/>
           </a:prstGeom>
           <a:solidFill>
-            <a:schemeClr val="bg1"/>
+            <a:srgbClr val="312D2A"/>
           </a:solidFill>
         </p:spPr>
         <p:txBody>
@@ -4131,20 +3960,14 @@
             <a:r>
               <a:rPr lang="en-US" sz="800" dirty="0" err="1" smtClean="0">
                 <a:solidFill>
-                  <a:schemeClr val="tx1">
-                    <a:lumMod val="85000"/>
-                    <a:lumOff val="15000"/>
-                  </a:schemeClr>
+                  <a:schemeClr val="bg1"/>
                 </a:solidFill>
               </a:rPr>
               <a:t>studentOf</a:t>
             </a:r>
             <a:endParaRPr lang="en-US" sz="800" dirty="0">
               <a:solidFill>
-                <a:schemeClr val="tx1">
-                  <a:lumMod val="85000"/>
-                  <a:lumOff val="15000"/>
-                </a:schemeClr>
+                <a:schemeClr val="bg1"/>
               </a:solidFill>
             </a:endParaRPr>
           </a:p>
@@ -4174,10 +3997,18 @@
           <a:p>
             <a:pPr algn="ctr"/>
             <a:r>
-              <a:rPr lang="en-US" sz="1200" dirty="0" err="1" smtClean="0"/>
+              <a:rPr lang="en-US" sz="1200" dirty="0" err="1" smtClean="0">
+                <a:solidFill>
+                  <a:schemeClr val="bg1"/>
+                </a:solidFill>
+              </a:rPr>
               <a:t>student_network</a:t>
             </a:r>
-            <a:endParaRPr lang="en-US" sz="1200" dirty="0"/>
+            <a:endParaRPr lang="en-US" sz="1200" dirty="0">
+              <a:solidFill>
+                <a:schemeClr val="bg1"/>
+              </a:solidFill>
+            </a:endParaRPr>
           </a:p>
         </p:txBody>
       </p:sp>

--- a/images/example_graphs/student_network.pptx
+++ b/images/example_graphs/student_network.pptx
@@ -243,7 +243,7 @@
           <a:p>
             <a:fld id="{79CD65FD-E9A0-4CA5-8F11-E99658C14B86}" type="datetimeFigureOut">
               <a:rPr lang="en-US" smtClean="0"/>
-              <a:t>9/28/2019</a:t>
+              <a:t>9/29/2019</a:t>
             </a:fld>
             <a:endParaRPr lang="en-US"/>
           </a:p>
@@ -413,7 +413,7 @@
           <a:p>
             <a:fld id="{79CD65FD-E9A0-4CA5-8F11-E99658C14B86}" type="datetimeFigureOut">
               <a:rPr lang="en-US" smtClean="0"/>
-              <a:t>9/28/2019</a:t>
+              <a:t>9/29/2019</a:t>
             </a:fld>
             <a:endParaRPr lang="en-US"/>
           </a:p>
@@ -593,7 +593,7 @@
           <a:p>
             <a:fld id="{79CD65FD-E9A0-4CA5-8F11-E99658C14B86}" type="datetimeFigureOut">
               <a:rPr lang="en-US" smtClean="0"/>
-              <a:t>9/28/2019</a:t>
+              <a:t>9/29/2019</a:t>
             </a:fld>
             <a:endParaRPr lang="en-US"/>
           </a:p>
@@ -763,7 +763,7 @@
           <a:p>
             <a:fld id="{79CD65FD-E9A0-4CA5-8F11-E99658C14B86}" type="datetimeFigureOut">
               <a:rPr lang="en-US" smtClean="0"/>
-              <a:t>9/28/2019</a:t>
+              <a:t>9/29/2019</a:t>
             </a:fld>
             <a:endParaRPr lang="en-US"/>
           </a:p>
@@ -1009,7 +1009,7 @@
           <a:p>
             <a:fld id="{79CD65FD-E9A0-4CA5-8F11-E99658C14B86}" type="datetimeFigureOut">
               <a:rPr lang="en-US" smtClean="0"/>
-              <a:t>9/28/2019</a:t>
+              <a:t>9/29/2019</a:t>
             </a:fld>
             <a:endParaRPr lang="en-US"/>
           </a:p>
@@ -1241,7 +1241,7 @@
           <a:p>
             <a:fld id="{79CD65FD-E9A0-4CA5-8F11-E99658C14B86}" type="datetimeFigureOut">
               <a:rPr lang="en-US" smtClean="0"/>
-              <a:t>9/28/2019</a:t>
+              <a:t>9/29/2019</a:t>
             </a:fld>
             <a:endParaRPr lang="en-US"/>
           </a:p>
@@ -1608,7 +1608,7 @@
           <a:p>
             <a:fld id="{79CD65FD-E9A0-4CA5-8F11-E99658C14B86}" type="datetimeFigureOut">
               <a:rPr lang="en-US" smtClean="0"/>
-              <a:t>9/28/2019</a:t>
+              <a:t>9/29/2019</a:t>
             </a:fld>
             <a:endParaRPr lang="en-US"/>
           </a:p>
@@ -1726,7 +1726,7 @@
           <a:p>
             <a:fld id="{79CD65FD-E9A0-4CA5-8F11-E99658C14B86}" type="datetimeFigureOut">
               <a:rPr lang="en-US" smtClean="0"/>
-              <a:t>9/28/2019</a:t>
+              <a:t>9/29/2019</a:t>
             </a:fld>
             <a:endParaRPr lang="en-US"/>
           </a:p>
@@ -1821,7 +1821,7 @@
           <a:p>
             <a:fld id="{79CD65FD-E9A0-4CA5-8F11-E99658C14B86}" type="datetimeFigureOut">
               <a:rPr lang="en-US" smtClean="0"/>
-              <a:t>9/28/2019</a:t>
+              <a:t>9/29/2019</a:t>
             </a:fld>
             <a:endParaRPr lang="en-US"/>
           </a:p>
@@ -2098,7 +2098,7 @@
           <a:p>
             <a:fld id="{79CD65FD-E9A0-4CA5-8F11-E99658C14B86}" type="datetimeFigureOut">
               <a:rPr lang="en-US" smtClean="0"/>
-              <a:t>9/28/2019</a:t>
+              <a:t>9/29/2019</a:t>
             </a:fld>
             <a:endParaRPr lang="en-US"/>
           </a:p>
@@ -2351,7 +2351,7 @@
           <a:p>
             <a:fld id="{79CD65FD-E9A0-4CA5-8F11-E99658C14B86}" type="datetimeFigureOut">
               <a:rPr lang="en-US" smtClean="0"/>
-              <a:t>9/28/2019</a:t>
+              <a:t>9/29/2019</a:t>
             </a:fld>
             <a:endParaRPr lang="en-US"/>
           </a:p>
@@ -2564,7 +2564,7 @@
           <a:p>
             <a:fld id="{79CD65FD-E9A0-4CA5-8F11-E99658C14B86}" type="datetimeFigureOut">
               <a:rPr lang="en-US" smtClean="0"/>
-              <a:t>9/28/2019</a:t>
+              <a:t>9/29/2019</a:t>
             </a:fld>
             <a:endParaRPr lang="en-US"/>
           </a:p>
@@ -3022,14 +3022,14 @@
             <a:r>
               <a:rPr lang="en-US" sz="800" dirty="0" smtClean="0">
                 <a:solidFill>
-                  <a:schemeClr val="bg1"/>
+                  <a:srgbClr val="312D2A"/>
                 </a:solidFill>
               </a:rPr>
               <a:t>Person</a:t>
             </a:r>
             <a:endParaRPr lang="en-US" sz="800" dirty="0">
               <a:solidFill>
-                <a:schemeClr val="bg1"/>
+                <a:srgbClr val="312D2A"/>
               </a:solidFill>
             </a:endParaRPr>
           </a:p>
@@ -3080,14 +3080,14 @@
             <a:r>
               <a:rPr lang="en-US" sz="800" dirty="0" smtClean="0">
                 <a:solidFill>
-                  <a:schemeClr val="bg1"/>
+                  <a:srgbClr val="312D2A"/>
                 </a:solidFill>
               </a:rPr>
               <a:t>University</a:t>
             </a:r>
             <a:endParaRPr lang="en-US" sz="800" dirty="0">
               <a:solidFill>
-                <a:schemeClr val="bg1"/>
+                <a:srgbClr val="312D2A"/>
               </a:solidFill>
             </a:endParaRPr>
           </a:p>
@@ -3140,14 +3140,14 @@
             <a:r>
               <a:rPr lang="en-US" sz="800" dirty="0" smtClean="0">
                 <a:solidFill>
-                  <a:schemeClr val="bg1"/>
+                  <a:srgbClr val="312D2A"/>
                 </a:solidFill>
               </a:rPr>
               <a:t>Person</a:t>
             </a:r>
             <a:endParaRPr lang="en-US" sz="800" dirty="0">
               <a:solidFill>
-                <a:schemeClr val="bg1"/>
+                <a:srgbClr val="312D2A"/>
               </a:solidFill>
             </a:endParaRPr>
           </a:p>
@@ -3198,14 +3198,14 @@
             <a:r>
               <a:rPr lang="en-US" sz="800" dirty="0" smtClean="0">
                 <a:solidFill>
-                  <a:schemeClr val="bg1"/>
+                  <a:srgbClr val="312D2A"/>
                 </a:solidFill>
               </a:rPr>
               <a:t>Person</a:t>
             </a:r>
             <a:endParaRPr lang="en-US" sz="800" dirty="0">
               <a:solidFill>
-                <a:schemeClr val="bg1"/>
+                <a:srgbClr val="312D2A"/>
               </a:solidFill>
             </a:endParaRPr>
           </a:p>

--- a/images/example_graphs/student_network.pptx
+++ b/images/example_graphs/student_network.pptx
@@ -2992,7 +2992,7 @@
             <a:avLst/>
           </a:prstGeom>
           <a:solidFill>
-            <a:srgbClr val="41817E"/>
+            <a:srgbClr val="94AFAE"/>
           </a:solidFill>
           <a:ln w="6350">
             <a:noFill/>
@@ -3108,7 +3108,7 @@
             <a:avLst/>
           </a:prstGeom>
           <a:solidFill>
-            <a:srgbClr val="41817E"/>
+            <a:srgbClr val="94AFAE"/>
           </a:solidFill>
           <a:ln w="6350">
             <a:noFill/>
@@ -3168,7 +3168,7 @@
             <a:avLst/>
           </a:prstGeom>
           <a:solidFill>
-            <a:srgbClr val="41817E"/>
+            <a:srgbClr val="94AFAE"/>
           </a:solidFill>
           <a:ln w="6350">
             <a:noFill/>
@@ -3347,7 +3347,7 @@
           </a:prstGeom>
           <a:ln>
             <a:solidFill>
-              <a:srgbClr val="41817E"/>
+              <a:srgbClr val="94AFAE"/>
             </a:solidFill>
             <a:tailEnd type="triangle" w="med" len="sm"/>
           </a:ln>
@@ -3386,7 +3386,7 @@
           </a:prstGeom>
           <a:ln>
             <a:solidFill>
-              <a:srgbClr val="41817E"/>
+              <a:srgbClr val="94AFAE"/>
             </a:solidFill>
             <a:tailEnd type="triangle" w="med" len="sm"/>
           </a:ln>
@@ -3425,7 +3425,7 @@
           </a:prstGeom>
           <a:ln>
             <a:solidFill>
-              <a:srgbClr val="41817E"/>
+              <a:srgbClr val="94AFAE"/>
             </a:solidFill>
             <a:tailEnd type="triangle" w="med" len="sm"/>
           </a:ln>
